--- a/OS_Presentation.pptx
+++ b/OS_Presentation.pptx
@@ -20,6 +20,7 @@
     <p:sldId id="266" r:id="rId14"/>
     <p:sldId id="267" r:id="rId15"/>
     <p:sldId id="268" r:id="rId16"/>
+    <p:sldId id="270" r:id="rId17"/>
   </p:sldIdLst>
   <p:sldSz cx="12192000" cy="6858000"/>
   <p:notesSz cx="6858000" cy="9144000"/>
@@ -129,7 +130,7 @@
 <file path=ppt/revisionInfo.xml><?xml version="1.0" encoding="utf-8"?>
 <p1510:revInfo xmlns:a="http://schemas.openxmlformats.org/drawingml/2006/main" xmlns:r="http://schemas.openxmlformats.org/officeDocument/2006/relationships" xmlns:p1510="http://schemas.microsoft.com/office/powerpoint/2015/10/main">
   <p1510:revLst>
-    <p1510:client id="{0691B720-7FD2-4ED9-B8F5-A684BCF955AF}" v="3" dt="2023-01-09T14:15:16.999"/>
+    <p1510:client id="{0691B720-7FD2-4ED9-B8F5-A684BCF955AF}" v="10" dt="2023-01-09T15:24:56.584"/>
   </p1510:revLst>
 </p1510:revInfo>
 </file>
@@ -138,11 +139,26 @@
 <pc:chgInfo xmlns:a="http://schemas.openxmlformats.org/drawingml/2006/main" xmlns:r="http://schemas.openxmlformats.org/officeDocument/2006/relationships" xmlns:ac="http://schemas.microsoft.com/office/drawing/2013/main/command" xmlns:pc="http://schemas.microsoft.com/office/powerpoint/2013/main/command">
   <pc:docChgLst>
     <pc:chgData name="Joseph Cauvy-Foster (Student)" userId="35a9b5c0-30ed-4069-9482-a130ce86deaa" providerId="ADAL" clId="{0691B720-7FD2-4ED9-B8F5-A684BCF955AF}"/>
-    <pc:docChg chg="undo custSel modSld">
-      <pc:chgData name="Joseph Cauvy-Foster (Student)" userId="35a9b5c0-30ed-4069-9482-a130ce86deaa" providerId="ADAL" clId="{0691B720-7FD2-4ED9-B8F5-A684BCF955AF}" dt="2023-01-09T14:15:46.657" v="364" actId="115"/>
+    <pc:docChg chg="undo redo custSel addSld delSld modSld sldOrd">
+      <pc:chgData name="Joseph Cauvy-Foster (Student)" userId="35a9b5c0-30ed-4069-9482-a130ce86deaa" providerId="ADAL" clId="{0691B720-7FD2-4ED9-B8F5-A684BCF955AF}" dt="2023-01-09T15:42:55.537" v="1409" actId="1076"/>
       <pc:docMkLst>
         <pc:docMk/>
       </pc:docMkLst>
+      <pc:sldChg chg="modSp mod">
+        <pc:chgData name="Joseph Cauvy-Foster (Student)" userId="35a9b5c0-30ed-4069-9482-a130ce86deaa" providerId="ADAL" clId="{0691B720-7FD2-4ED9-B8F5-A684BCF955AF}" dt="2023-01-09T14:38:12.610" v="419" actId="20577"/>
+        <pc:sldMkLst>
+          <pc:docMk/>
+          <pc:sldMk cId="1566675077" sldId="256"/>
+        </pc:sldMkLst>
+        <pc:spChg chg="mod">
+          <ac:chgData name="Joseph Cauvy-Foster (Student)" userId="35a9b5c0-30ed-4069-9482-a130ce86deaa" providerId="ADAL" clId="{0691B720-7FD2-4ED9-B8F5-A684BCF955AF}" dt="2023-01-09T14:38:12.610" v="419" actId="20577"/>
+          <ac:spMkLst>
+            <pc:docMk/>
+            <pc:sldMk cId="1566675077" sldId="256"/>
+            <ac:spMk id="3" creationId="{80FC0498-17C7-F88A-21DC-B22971BF60DE}"/>
+          </ac:spMkLst>
+        </pc:spChg>
+      </pc:sldChg>
       <pc:sldChg chg="addSp delSp modSp mod">
         <pc:chgData name="Joseph Cauvy-Foster (Student)" userId="35a9b5c0-30ed-4069-9482-a130ce86deaa" providerId="ADAL" clId="{0691B720-7FD2-4ED9-B8F5-A684BCF955AF}" dt="2023-01-09T14:15:26.092" v="360" actId="20577"/>
         <pc:sldMkLst>
@@ -228,6 +244,156 @@
             <ac:spMk id="2" creationId="{85C83770-89B9-FA4D-66FB-762274A4538B}"/>
           </ac:spMkLst>
         </pc:spChg>
+      </pc:sldChg>
+      <pc:sldChg chg="addSp delSp modSp new mod ord">
+        <pc:chgData name="Joseph Cauvy-Foster (Student)" userId="35a9b5c0-30ed-4069-9482-a130ce86deaa" providerId="ADAL" clId="{0691B720-7FD2-4ED9-B8F5-A684BCF955AF}" dt="2023-01-09T15:42:55.537" v="1409" actId="1076"/>
+        <pc:sldMkLst>
+          <pc:docMk/>
+          <pc:sldMk cId="4292650422" sldId="270"/>
+        </pc:sldMkLst>
+        <pc:spChg chg="mod">
+          <ac:chgData name="Joseph Cauvy-Foster (Student)" userId="35a9b5c0-30ed-4069-9482-a130ce86deaa" providerId="ADAL" clId="{0691B720-7FD2-4ED9-B8F5-A684BCF955AF}" dt="2023-01-09T15:42:13.144" v="1404" actId="1076"/>
+          <ac:spMkLst>
+            <pc:docMk/>
+            <pc:sldMk cId="4292650422" sldId="270"/>
+            <ac:spMk id="2" creationId="{1EDEE6B8-5255-4DBB-BE4E-4CBF37316C5D}"/>
+          </ac:spMkLst>
+        </pc:spChg>
+        <pc:spChg chg="mod">
+          <ac:chgData name="Joseph Cauvy-Foster (Student)" userId="35a9b5c0-30ed-4069-9482-a130ce86deaa" providerId="ADAL" clId="{0691B720-7FD2-4ED9-B8F5-A684BCF955AF}" dt="2023-01-09T15:42:03.897" v="1402" actId="1076"/>
+          <ac:spMkLst>
+            <pc:docMk/>
+            <pc:sldMk cId="4292650422" sldId="270"/>
+            <ac:spMk id="3" creationId="{41ECFF39-AD7C-1A18-6312-FC1B5537FA94}"/>
+          </ac:spMkLst>
+        </pc:spChg>
+        <pc:spChg chg="add del mod">
+          <ac:chgData name="Joseph Cauvy-Foster (Student)" userId="35a9b5c0-30ed-4069-9482-a130ce86deaa" providerId="ADAL" clId="{0691B720-7FD2-4ED9-B8F5-A684BCF955AF}" dt="2023-01-09T14:54:42.377" v="482"/>
+          <ac:spMkLst>
+            <pc:docMk/>
+            <pc:sldMk cId="4292650422" sldId="270"/>
+            <ac:spMk id="6" creationId="{73B97873-CB2C-2D89-E623-20E1B310E3BE}"/>
+          </ac:spMkLst>
+        </pc:spChg>
+        <pc:spChg chg="add mod">
+          <ac:chgData name="Joseph Cauvy-Foster (Student)" userId="35a9b5c0-30ed-4069-9482-a130ce86deaa" providerId="ADAL" clId="{0691B720-7FD2-4ED9-B8F5-A684BCF955AF}" dt="2023-01-09T15:41:55.995" v="1401" actId="14100"/>
+          <ac:spMkLst>
+            <pc:docMk/>
+            <pc:sldMk cId="4292650422" sldId="270"/>
+            <ac:spMk id="13" creationId="{1F14FBE7-8467-5BCD-82AD-8972D06FDC45}"/>
+          </ac:spMkLst>
+        </pc:spChg>
+        <pc:picChg chg="add del mod">
+          <ac:chgData name="Joseph Cauvy-Foster (Student)" userId="35a9b5c0-30ed-4069-9482-a130ce86deaa" providerId="ADAL" clId="{0691B720-7FD2-4ED9-B8F5-A684BCF955AF}" dt="2023-01-09T15:06:31.318" v="689" actId="478"/>
+          <ac:picMkLst>
+            <pc:docMk/>
+            <pc:sldMk cId="4292650422" sldId="270"/>
+            <ac:picMk id="5" creationId="{F64F7C2B-9F0F-14DF-3558-0ADBEDA6FE65}"/>
+          </ac:picMkLst>
+        </pc:picChg>
+        <pc:picChg chg="add del mod">
+          <ac:chgData name="Joseph Cauvy-Foster (Student)" userId="35a9b5c0-30ed-4069-9482-a130ce86deaa" providerId="ADAL" clId="{0691B720-7FD2-4ED9-B8F5-A684BCF955AF}" dt="2023-01-09T15:06:32.180" v="690" actId="478"/>
+          <ac:picMkLst>
+            <pc:docMk/>
+            <pc:sldMk cId="4292650422" sldId="270"/>
+            <ac:picMk id="8" creationId="{0DA1CA65-E18A-CB20-ED3D-E57C6724BE85}"/>
+          </ac:picMkLst>
+        </pc:picChg>
+        <pc:picChg chg="add mod">
+          <ac:chgData name="Joseph Cauvy-Foster (Student)" userId="35a9b5c0-30ed-4069-9482-a130ce86deaa" providerId="ADAL" clId="{0691B720-7FD2-4ED9-B8F5-A684BCF955AF}" dt="2023-01-09T15:40:27.429" v="1372" actId="14100"/>
+          <ac:picMkLst>
+            <pc:docMk/>
+            <pc:sldMk cId="4292650422" sldId="270"/>
+            <ac:picMk id="10" creationId="{7510C665-9671-2138-5FD9-D4E8CA8E8F0F}"/>
+          </ac:picMkLst>
+        </pc:picChg>
+        <pc:picChg chg="add del mod">
+          <ac:chgData name="Joseph Cauvy-Foster (Student)" userId="35a9b5c0-30ed-4069-9482-a130ce86deaa" providerId="ADAL" clId="{0691B720-7FD2-4ED9-B8F5-A684BCF955AF}" dt="2023-01-09T15:39:08.628" v="1269" actId="478"/>
+          <ac:picMkLst>
+            <pc:docMk/>
+            <pc:sldMk cId="4292650422" sldId="270"/>
+            <ac:picMk id="12" creationId="{8D8C218A-EA39-742C-0B00-846F6E404C5A}"/>
+          </ac:picMkLst>
+        </pc:picChg>
+        <pc:picChg chg="add mod">
+          <ac:chgData name="Joseph Cauvy-Foster (Student)" userId="35a9b5c0-30ed-4069-9482-a130ce86deaa" providerId="ADAL" clId="{0691B720-7FD2-4ED9-B8F5-A684BCF955AF}" dt="2023-01-09T15:38:54.562" v="1268" actId="14100"/>
+          <ac:picMkLst>
+            <pc:docMk/>
+            <pc:sldMk cId="4292650422" sldId="270"/>
+            <ac:picMk id="15" creationId="{C399573A-A5CD-F2BA-D98B-1208CD9BDB4D}"/>
+          </ac:picMkLst>
+        </pc:picChg>
+        <pc:picChg chg="add mod">
+          <ac:chgData name="Joseph Cauvy-Foster (Student)" userId="35a9b5c0-30ed-4069-9482-a130ce86deaa" providerId="ADAL" clId="{0691B720-7FD2-4ED9-B8F5-A684BCF955AF}" dt="2023-01-09T15:38:40.550" v="1266" actId="14100"/>
+          <ac:picMkLst>
+            <pc:docMk/>
+            <pc:sldMk cId="4292650422" sldId="270"/>
+            <ac:picMk id="17" creationId="{AADB1960-4906-2597-2F64-4620863CB469}"/>
+          </ac:picMkLst>
+        </pc:picChg>
+        <pc:picChg chg="add mod">
+          <ac:chgData name="Joseph Cauvy-Foster (Student)" userId="35a9b5c0-30ed-4069-9482-a130ce86deaa" providerId="ADAL" clId="{0691B720-7FD2-4ED9-B8F5-A684BCF955AF}" dt="2023-01-09T15:42:55.537" v="1409" actId="1076"/>
+          <ac:picMkLst>
+            <pc:docMk/>
+            <pc:sldMk cId="4292650422" sldId="270"/>
+            <ac:picMk id="19" creationId="{3EC54641-5BC9-FCA2-0B22-505256D922C3}"/>
+          </ac:picMkLst>
+        </pc:picChg>
+      </pc:sldChg>
+      <pc:sldChg chg="addSp delSp modSp new del mod">
+        <pc:chgData name="Joseph Cauvy-Foster (Student)" userId="35a9b5c0-30ed-4069-9482-a130ce86deaa" providerId="ADAL" clId="{0691B720-7FD2-4ED9-B8F5-A684BCF955AF}" dt="2023-01-09T15:42:22.253" v="1405" actId="47"/>
+        <pc:sldMkLst>
+          <pc:docMk/>
+          <pc:sldMk cId="4268119029" sldId="271"/>
+        </pc:sldMkLst>
+        <pc:spChg chg="mod">
+          <ac:chgData name="Joseph Cauvy-Foster (Student)" userId="35a9b5c0-30ed-4069-9482-a130ce86deaa" providerId="ADAL" clId="{0691B720-7FD2-4ED9-B8F5-A684BCF955AF}" dt="2023-01-09T14:57:04.622" v="558" actId="20577"/>
+          <ac:spMkLst>
+            <pc:docMk/>
+            <pc:sldMk cId="4268119029" sldId="271"/>
+            <ac:spMk id="2" creationId="{47AB43F1-8BA3-1081-C1DC-83F7830FD17E}"/>
+          </ac:spMkLst>
+        </pc:spChg>
+        <pc:spChg chg="mod">
+          <ac:chgData name="Joseph Cauvy-Foster (Student)" userId="35a9b5c0-30ed-4069-9482-a130ce86deaa" providerId="ADAL" clId="{0691B720-7FD2-4ED9-B8F5-A684BCF955AF}" dt="2023-01-09T14:58:49.179" v="672" actId="20577"/>
+          <ac:spMkLst>
+            <pc:docMk/>
+            <pc:sldMk cId="4268119029" sldId="271"/>
+            <ac:spMk id="3" creationId="{598861A0-7F8A-3DEC-EB27-8A59F6FD0BB6}"/>
+          </ac:spMkLst>
+        </pc:spChg>
+        <pc:spChg chg="add del mod">
+          <ac:chgData name="Joseph Cauvy-Foster (Student)" userId="35a9b5c0-30ed-4069-9482-a130ce86deaa" providerId="ADAL" clId="{0691B720-7FD2-4ED9-B8F5-A684BCF955AF}" dt="2023-01-09T14:58:45.918" v="670" actId="478"/>
+          <ac:spMkLst>
+            <pc:docMk/>
+            <pc:sldMk cId="4268119029" sldId="271"/>
+            <ac:spMk id="6" creationId="{179B44E8-6ECA-C935-BBA3-7785409F64BC}"/>
+          </ac:spMkLst>
+        </pc:spChg>
+        <pc:spChg chg="add del mod">
+          <ac:chgData name="Joseph Cauvy-Foster (Student)" userId="35a9b5c0-30ed-4069-9482-a130ce86deaa" providerId="ADAL" clId="{0691B720-7FD2-4ED9-B8F5-A684BCF955AF}" dt="2023-01-09T14:58:07.467" v="651"/>
+          <ac:spMkLst>
+            <pc:docMk/>
+            <pc:sldMk cId="4268119029" sldId="271"/>
+            <ac:spMk id="7" creationId="{8E813E5A-D5BC-5329-04E7-9DAA666B1B18}"/>
+          </ac:spMkLst>
+        </pc:spChg>
+        <pc:picChg chg="add mod">
+          <ac:chgData name="Joseph Cauvy-Foster (Student)" userId="35a9b5c0-30ed-4069-9482-a130ce86deaa" providerId="ADAL" clId="{0691B720-7FD2-4ED9-B8F5-A684BCF955AF}" dt="2023-01-09T14:56:58.845" v="552" actId="1076"/>
+          <ac:picMkLst>
+            <pc:docMk/>
+            <pc:sldMk cId="4268119029" sldId="271"/>
+            <ac:picMk id="5" creationId="{71CE27D6-2B6C-ECDD-C31D-4E9876555D47}"/>
+          </ac:picMkLst>
+        </pc:picChg>
+        <pc:picChg chg="add mod">
+          <ac:chgData name="Joseph Cauvy-Foster (Student)" userId="35a9b5c0-30ed-4069-9482-a130ce86deaa" providerId="ADAL" clId="{0691B720-7FD2-4ED9-B8F5-A684BCF955AF}" dt="2023-01-09T14:59:25.180" v="675" actId="14100"/>
+          <ac:picMkLst>
+            <pc:docMk/>
+            <pc:sldMk cId="4268119029" sldId="271"/>
+            <ac:picMk id="9" creationId="{CA2BB727-B002-F2A3-E58E-79435699CE39}"/>
+          </ac:picMkLst>
+        </pc:picChg>
       </pc:sldChg>
     </pc:docChg>
   </pc:docChgLst>
@@ -7010,7 +7176,55 @@
           <a:p>
             <a:r>
               <a:rPr lang="en-GB" dirty="0"/>
-              <a:t>Joseph Cauvy-Foster, Eimantas </a:t>
+              <a:t>Joseph Cauvy-Foster, Eimantas Miliauskis, </a:t>
+            </a:r>
+            <a:r>
+              <a:rPr lang="en-GB" dirty="0" err="1"/>
+              <a:t>krishan</a:t>
+            </a:r>
+            <a:r>
+              <a:rPr lang="en-GB" dirty="0"/>
+              <a:t> </a:t>
+            </a:r>
+            <a:r>
+              <a:rPr lang="en-GB" dirty="0" err="1"/>
+              <a:t>singh</a:t>
+            </a:r>
+            <a:r>
+              <a:rPr lang="en-GB" dirty="0"/>
+              <a:t>, bit </a:t>
+            </a:r>
+            <a:r>
+              <a:rPr lang="en-GB" dirty="0" err="1"/>
+              <a:t>na</a:t>
+            </a:r>
+            <a:r>
+              <a:rPr lang="en-GB" dirty="0"/>
+              <a:t> </a:t>
+            </a:r>
+            <a:r>
+              <a:rPr lang="en-GB" dirty="0" err="1"/>
+              <a:t>yoon</a:t>
+            </a:r>
+            <a:r>
+              <a:rPr lang="en-GB" dirty="0"/>
+              <a:t>, </a:t>
+            </a:r>
+            <a:r>
+              <a:rPr lang="en-GB" dirty="0" err="1"/>
+              <a:t>guandong</a:t>
+            </a:r>
+            <a:r>
+              <a:rPr lang="en-GB" dirty="0"/>
+              <a:t> </a:t>
+            </a:r>
+            <a:r>
+              <a:rPr lang="en-GB" dirty="0" err="1"/>
+              <a:t>zhang</a:t>
+            </a:r>
+            <a:r>
+              <a:rPr lang="en-GB" dirty="0"/>
+              <a:t> </a:t>
             </a:r>
           </a:p>
         </p:txBody>
@@ -9334,6 +9548,429 @@
 </p:sld>
 </file>
 
+<file path=ppt/slides/slide15.xml><?xml version="1.0" encoding="utf-8"?>
+<p:sld xmlns:a="http://schemas.openxmlformats.org/drawingml/2006/main" xmlns:r="http://schemas.openxmlformats.org/officeDocument/2006/relationships" xmlns:p="http://schemas.openxmlformats.org/presentationml/2006/main">
+  <p:cSld>
+    <p:spTree>
+      <p:nvGrpSpPr>
+        <p:cNvPr id="1" name=""/>
+        <p:cNvGrpSpPr/>
+        <p:nvPr/>
+      </p:nvGrpSpPr>
+      <p:grpSpPr>
+        <a:xfrm>
+          <a:off x="0" y="0"/>
+          <a:ext cx="0" cy="0"/>
+          <a:chOff x="0" y="0"/>
+          <a:chExt cx="0" cy="0"/>
+        </a:xfrm>
+      </p:grpSpPr>
+      <p:sp>
+        <p:nvSpPr>
+          <p:cNvPr id="2" name="Title 1">
+            <a:extLst>
+              <a:ext uri="{FF2B5EF4-FFF2-40B4-BE49-F238E27FC236}">
+                <a16:creationId xmlns:a16="http://schemas.microsoft.com/office/drawing/2014/main" id="{1EDEE6B8-5255-4DBB-BE4E-4CBF37316C5D}"/>
+              </a:ext>
+            </a:extLst>
+          </p:cNvPr>
+          <p:cNvSpPr>
+            <a:spLocks noGrp="1"/>
+          </p:cNvSpPr>
+          <p:nvPr>
+            <p:ph type="title"/>
+          </p:nvPr>
+        </p:nvSpPr>
+        <p:spPr>
+          <a:xfrm>
+            <a:off x="1041647" y="157487"/>
+            <a:ext cx="10515600" cy="1325563"/>
+          </a:xfrm>
+        </p:spPr>
+        <p:txBody>
+          <a:bodyPr/>
+          <a:lstStyle/>
+          <a:p>
+            <a:r>
+              <a:rPr lang="en-GB" b="1" dirty="0"/>
+              <a:t>Exploit of </a:t>
+            </a:r>
+            <a:r>
+              <a:rPr lang="en-GB" b="1" dirty="0" err="1"/>
+              <a:t>sys_remove</a:t>
+            </a:r>
+            <a:endParaRPr lang="en-GB" b="1" dirty="0"/>
+          </a:p>
+        </p:txBody>
+      </p:sp>
+      <p:sp>
+        <p:nvSpPr>
+          <p:cNvPr id="3" name="Content Placeholder 2">
+            <a:extLst>
+              <a:ext uri="{FF2B5EF4-FFF2-40B4-BE49-F238E27FC236}">
+                <a16:creationId xmlns:a16="http://schemas.microsoft.com/office/drawing/2014/main" id="{41ECFF39-AD7C-1A18-6312-FC1B5537FA94}"/>
+              </a:ext>
+            </a:extLst>
+          </p:cNvPr>
+          <p:cNvSpPr>
+            <a:spLocks noGrp="1"/>
+          </p:cNvSpPr>
+          <p:nvPr>
+            <p:ph idx="1"/>
+          </p:nvPr>
+        </p:nvSpPr>
+        <p:spPr>
+          <a:xfrm>
+            <a:off x="548000" y="1431648"/>
+            <a:ext cx="10602353" cy="518079"/>
+          </a:xfrm>
+        </p:spPr>
+        <p:txBody>
+          <a:bodyPr/>
+          <a:lstStyle/>
+          <a:p>
+            <a:pPr marL="0" indent="0">
+              <a:buNone/>
+            </a:pPr>
+            <a:r>
+              <a:rPr lang="en-GB" dirty="0" err="1"/>
+              <a:t>Shellcode.c</a:t>
+            </a:r>
+            <a:r>
+              <a:rPr lang="en-GB" dirty="0"/>
+              <a:t>:                            binary:</a:t>
+            </a:r>
+          </a:p>
+        </p:txBody>
+      </p:sp>
+      <p:pic>
+        <p:nvPicPr>
+          <p:cNvPr id="10" name="Picture 9">
+            <a:extLst>
+              <a:ext uri="{FF2B5EF4-FFF2-40B4-BE49-F238E27FC236}">
+                <a16:creationId xmlns:a16="http://schemas.microsoft.com/office/drawing/2014/main" id="{7510C665-9671-2138-5FD9-D4E8CA8E8F0F}"/>
+              </a:ext>
+            </a:extLst>
+          </p:cNvPr>
+          <p:cNvPicPr>
+            <a:picLocks noChangeAspect="1"/>
+          </p:cNvPicPr>
+          <p:nvPr/>
+        </p:nvPicPr>
+        <p:blipFill>
+          <a:blip r:embed="rId2"/>
+          <a:stretch>
+            <a:fillRect/>
+          </a:stretch>
+        </p:blipFill>
+        <p:spPr>
+          <a:xfrm>
+            <a:off x="374304" y="2068496"/>
+            <a:ext cx="5143538" cy="4533933"/>
+          </a:xfrm>
+          <a:prstGeom prst="rect">
+            <a:avLst/>
+          </a:prstGeom>
+        </p:spPr>
+      </p:pic>
+      <p:sp>
+        <p:nvSpPr>
+          <p:cNvPr id="13" name="TextBox 12">
+            <a:extLst>
+              <a:ext uri="{FF2B5EF4-FFF2-40B4-BE49-F238E27FC236}">
+                <a16:creationId xmlns:a16="http://schemas.microsoft.com/office/drawing/2014/main" id="{1F14FBE7-8467-5BCD-82AD-8972D06FDC45}"/>
+              </a:ext>
+            </a:extLst>
+          </p:cNvPr>
+          <p:cNvSpPr txBox="1"/>
+          <p:nvPr/>
+        </p:nvSpPr>
+        <p:spPr>
+          <a:xfrm>
+            <a:off x="5691538" y="1493809"/>
+            <a:ext cx="6275561" cy="5355312"/>
+          </a:xfrm>
+          <a:prstGeom prst="rect">
+            <a:avLst/>
+          </a:prstGeom>
+          <a:noFill/>
+        </p:spPr>
+        <p:txBody>
+          <a:bodyPr wrap="square" rtlCol="0">
+            <a:spAutoFit/>
+          </a:bodyPr>
+          <a:lstStyle/>
+          <a:p>
+            <a:r>
+              <a:rPr lang="en-GB" dirty="0"/>
+              <a:t>\x90 are to fill the buffer</a:t>
+            </a:r>
+          </a:p>
+          <a:p>
+            <a:endParaRPr lang="en-GB" dirty="0"/>
+          </a:p>
+          <a:p>
+            <a:r>
+              <a:rPr lang="en-GB" dirty="0"/>
+              <a:t>\xe9\x0b\x00\x00\x00 are to jump to x15 which is CALL</a:t>
+            </a:r>
+          </a:p>
+          <a:p>
+            <a:endParaRPr lang="en-GB" dirty="0"/>
+          </a:p>
+          <a:p>
+            <a:r>
+              <a:rPr lang="en-GB" dirty="0"/>
+              <a:t>\x6a\x05 are to push x05 to stack (remove </a:t>
+            </a:r>
+            <a:r>
+              <a:rPr lang="en-GB" dirty="0" err="1"/>
+              <a:t>syscall</a:t>
+            </a:r>
+            <a:r>
+              <a:rPr lang="en-GB" dirty="0"/>
+              <a:t> number)</a:t>
+            </a:r>
+          </a:p>
+          <a:p>
+            <a:endParaRPr lang="en-GB" dirty="0"/>
+          </a:p>
+          <a:p>
+            <a:r>
+              <a:rPr lang="en-GB" dirty="0"/>
+              <a:t>\</a:t>
+            </a:r>
+            <a:r>
+              <a:rPr lang="en-GB" dirty="0" err="1"/>
+              <a:t>xcd</a:t>
+            </a:r>
+            <a:r>
+              <a:rPr lang="en-GB" dirty="0"/>
+              <a:t>\x30 are to make an interrupt with hex 30 (</a:t>
+            </a:r>
+            <a:r>
+              <a:rPr lang="en-GB" dirty="0" err="1"/>
+              <a:t>syscall</a:t>
+            </a:r>
+            <a:r>
+              <a:rPr lang="en-GB" dirty="0"/>
+              <a:t> interrupt)</a:t>
+            </a:r>
+          </a:p>
+          <a:p>
+            <a:endParaRPr lang="en-GB" dirty="0"/>
+          </a:p>
+          <a:p>
+            <a:r>
+              <a:rPr lang="en-GB" dirty="0"/>
+              <a:t>\x31\xc0 are to load 0 into </a:t>
+            </a:r>
+            <a:r>
+              <a:rPr lang="en-GB" dirty="0" err="1"/>
+              <a:t>eax</a:t>
+            </a:r>
+            <a:endParaRPr lang="en-GB" dirty="0"/>
+          </a:p>
+          <a:p>
+            <a:endParaRPr lang="en-GB" dirty="0"/>
+          </a:p>
+          <a:p>
+            <a:r>
+              <a:rPr lang="en-GB" dirty="0"/>
+              <a:t>\x50 to push </a:t>
+            </a:r>
+            <a:r>
+              <a:rPr lang="en-GB" dirty="0" err="1"/>
+              <a:t>exit_status</a:t>
+            </a:r>
+            <a:endParaRPr lang="en-GB" dirty="0"/>
+          </a:p>
+          <a:p>
+            <a:endParaRPr lang="en-GB" dirty="0"/>
+          </a:p>
+          <a:p>
+            <a:r>
+              <a:rPr lang="en-GB" dirty="0"/>
+              <a:t>\x40\x50 to push </a:t>
+            </a:r>
+            <a:r>
+              <a:rPr lang="en-GB" dirty="0" err="1"/>
+              <a:t>exit_status</a:t>
+            </a:r>
+            <a:endParaRPr lang="en-GB" dirty="0"/>
+          </a:p>
+          <a:p>
+            <a:endParaRPr lang="en-GB" dirty="0"/>
+          </a:p>
+          <a:p>
+            <a:r>
+              <a:rPr lang="en-GB" dirty="0"/>
+              <a:t>\</a:t>
+            </a:r>
+            <a:r>
+              <a:rPr lang="en-GB" dirty="0" err="1"/>
+              <a:t>xcd</a:t>
+            </a:r>
+            <a:r>
+              <a:rPr lang="en-GB" dirty="0"/>
+              <a:t>\x30 to make </a:t>
+            </a:r>
+            <a:r>
+              <a:rPr lang="en-GB" dirty="0" err="1"/>
+              <a:t>syscall</a:t>
+            </a:r>
+            <a:r>
+              <a:rPr lang="en-GB" dirty="0"/>
+              <a:t> interrupt</a:t>
+            </a:r>
+          </a:p>
+          <a:p>
+            <a:endParaRPr lang="en-GB" dirty="0"/>
+          </a:p>
+          <a:p>
+            <a:r>
+              <a:rPr lang="en-GB" dirty="0"/>
+              <a:t>\xe8\xf0\</a:t>
+            </a:r>
+            <a:r>
+              <a:rPr lang="en-GB" dirty="0" err="1"/>
+              <a:t>xff</a:t>
+            </a:r>
+            <a:r>
+              <a:rPr lang="en-GB" dirty="0"/>
+              <a:t>\</a:t>
+            </a:r>
+            <a:r>
+              <a:rPr lang="en-GB" dirty="0" err="1"/>
+              <a:t>xff</a:t>
+            </a:r>
+            <a:r>
+              <a:rPr lang="en-GB" dirty="0"/>
+              <a:t>\</a:t>
+            </a:r>
+            <a:r>
+              <a:rPr lang="en-GB" dirty="0" err="1"/>
+              <a:t>xff</a:t>
+            </a:r>
+            <a:r>
+              <a:rPr lang="en-GB" dirty="0"/>
+              <a:t> to jump back to call</a:t>
+            </a:r>
+          </a:p>
+          <a:p>
+            <a:endParaRPr lang="en-GB" dirty="0"/>
+          </a:p>
+          <a:p>
+            <a:r>
+              <a:rPr lang="en-GB" dirty="0"/>
+              <a:t>“shell” name of file that is being removed</a:t>
+            </a:r>
+          </a:p>
+        </p:txBody>
+      </p:sp>
+      <p:pic>
+        <p:nvPicPr>
+          <p:cNvPr id="15" name="Picture 14">
+            <a:extLst>
+              <a:ext uri="{FF2B5EF4-FFF2-40B4-BE49-F238E27FC236}">
+                <a16:creationId xmlns:a16="http://schemas.microsoft.com/office/drawing/2014/main" id="{C399573A-A5CD-F2BA-D98B-1208CD9BDB4D}"/>
+              </a:ext>
+            </a:extLst>
+          </p:cNvPr>
+          <p:cNvPicPr>
+            <a:picLocks noChangeAspect="1"/>
+          </p:cNvPicPr>
+          <p:nvPr/>
+        </p:nvPicPr>
+        <p:blipFill>
+          <a:blip r:embed="rId3"/>
+          <a:stretch>
+            <a:fillRect/>
+          </a:stretch>
+        </p:blipFill>
+        <p:spPr>
+          <a:xfrm>
+            <a:off x="2361460" y="4294200"/>
+            <a:ext cx="3156382" cy="2141146"/>
+          </a:xfrm>
+          <a:prstGeom prst="rect">
+            <a:avLst/>
+          </a:prstGeom>
+        </p:spPr>
+      </p:pic>
+      <p:pic>
+        <p:nvPicPr>
+          <p:cNvPr id="17" name="Picture 16">
+            <a:extLst>
+              <a:ext uri="{FF2B5EF4-FFF2-40B4-BE49-F238E27FC236}">
+                <a16:creationId xmlns:a16="http://schemas.microsoft.com/office/drawing/2014/main" id="{AADB1960-4906-2597-2F64-4620863CB469}"/>
+              </a:ext>
+            </a:extLst>
+          </p:cNvPr>
+          <p:cNvPicPr>
+            <a:picLocks noChangeAspect="1"/>
+          </p:cNvPicPr>
+          <p:nvPr/>
+        </p:nvPicPr>
+        <p:blipFill>
+          <a:blip r:embed="rId3"/>
+          <a:stretch>
+            <a:fillRect/>
+          </a:stretch>
+        </p:blipFill>
+        <p:spPr>
+          <a:xfrm>
+            <a:off x="1273364" y="4294200"/>
+            <a:ext cx="1176873" cy="495304"/>
+          </a:xfrm>
+          <a:prstGeom prst="rect">
+            <a:avLst/>
+          </a:prstGeom>
+        </p:spPr>
+      </p:pic>
+      <p:pic>
+        <p:nvPicPr>
+          <p:cNvPr id="19" name="Picture 18">
+            <a:extLst>
+              <a:ext uri="{FF2B5EF4-FFF2-40B4-BE49-F238E27FC236}">
+                <a16:creationId xmlns:a16="http://schemas.microsoft.com/office/drawing/2014/main" id="{3EC54641-5BC9-FCA2-0B22-505256D922C3}"/>
+              </a:ext>
+            </a:extLst>
+          </p:cNvPr>
+          <p:cNvPicPr>
+            <a:picLocks noChangeAspect="1"/>
+          </p:cNvPicPr>
+          <p:nvPr/>
+        </p:nvPicPr>
+        <p:blipFill>
+          <a:blip r:embed="rId4"/>
+          <a:stretch>
+            <a:fillRect/>
+          </a:stretch>
+        </p:blipFill>
+        <p:spPr>
+          <a:xfrm>
+            <a:off x="6709714" y="579290"/>
+            <a:ext cx="4940702" cy="518079"/>
+          </a:xfrm>
+          <a:prstGeom prst="rect">
+            <a:avLst/>
+          </a:prstGeom>
+        </p:spPr>
+      </p:pic>
+    </p:spTree>
+    <p:extLst>
+      <p:ext uri="{BB962C8B-B14F-4D97-AF65-F5344CB8AC3E}">
+        <p14:creationId xmlns:p14="http://schemas.microsoft.com/office/powerpoint/2010/main" val="4292650422"/>
+      </p:ext>
+    </p:extLst>
+  </p:cSld>
+  <p:clrMapOvr>
+    <a:masterClrMapping/>
+  </p:clrMapOvr>
+</p:sld>
+</file>
+
 <file path=ppt/slides/slide2.xml><?xml version="1.0" encoding="utf-8"?>
 <p:sld xmlns:a="http://schemas.openxmlformats.org/drawingml/2006/main" xmlns:r="http://schemas.openxmlformats.org/officeDocument/2006/relationships" xmlns:p="http://schemas.openxmlformats.org/presentationml/2006/main">
   <p:cSld>
@@ -9540,8 +10177,8 @@
             <a:chExt cx="3442320" cy="809280"/>
           </a:xfrm>
         </p:grpSpPr>
-        <mc:AlternateContent xmlns:mc="http://schemas.openxmlformats.org/markup-compatibility/2006">
-          <mc:Choice xmlns:p14="http://schemas.microsoft.com/office/powerpoint/2010/main" Requires="p14">
+        <mc:AlternateContent xmlns:mc="http://schemas.openxmlformats.org/markup-compatibility/2006" xmlns:p14="http://schemas.microsoft.com/office/powerpoint/2010/main">
+          <mc:Choice Requires="p14">
             <p:contentPart p14:bwMode="auto" r:id="rId4">
               <p14:nvContentPartPr>
                 <p14:cNvPr id="9" name="Ink 8">
@@ -9560,7 +10197,7 @@
               </p14:xfrm>
             </p:contentPart>
           </mc:Choice>
-          <mc:Fallback>
+          <mc:Fallback xmlns="">
             <p:pic>
               <p:nvPicPr>
                 <p:cNvPr id="9" name="Ink 8">
@@ -9591,8 +10228,8 @@
             </p:pic>
           </mc:Fallback>
         </mc:AlternateContent>
-        <mc:AlternateContent xmlns:mc="http://schemas.openxmlformats.org/markup-compatibility/2006">
-          <mc:Choice xmlns:p14="http://schemas.microsoft.com/office/powerpoint/2010/main" Requires="p14">
+        <mc:AlternateContent xmlns:mc="http://schemas.openxmlformats.org/markup-compatibility/2006" xmlns:p14="http://schemas.microsoft.com/office/powerpoint/2010/main">
+          <mc:Choice Requires="p14">
             <p:contentPart p14:bwMode="auto" r:id="rId6">
               <p14:nvContentPartPr>
                 <p14:cNvPr id="10" name="Ink 9">
@@ -9611,7 +10248,7 @@
               </p14:xfrm>
             </p:contentPart>
           </mc:Choice>
-          <mc:Fallback>
+          <mc:Fallback xmlns="">
             <p:pic>
               <p:nvPicPr>
                 <p:cNvPr id="10" name="Ink 9">

--- a/OS_Presentation.pptx
+++ b/OS_Presentation.pptx
@@ -140,7 +140,7 @@
   <pc:docChgLst>
     <pc:chgData name="Joseph Cauvy-Foster (Student)" userId="35a9b5c0-30ed-4069-9482-a130ce86deaa" providerId="ADAL" clId="{0691B720-7FD2-4ED9-B8F5-A684BCF955AF}"/>
     <pc:docChg chg="undo redo custSel addSld delSld modSld sldOrd">
-      <pc:chgData name="Joseph Cauvy-Foster (Student)" userId="35a9b5c0-30ed-4069-9482-a130ce86deaa" providerId="ADAL" clId="{0691B720-7FD2-4ED9-B8F5-A684BCF955AF}" dt="2023-01-09T15:42:55.537" v="1409" actId="1076"/>
+      <pc:chgData name="Joseph Cauvy-Foster (Student)" userId="35a9b5c0-30ed-4069-9482-a130ce86deaa" providerId="ADAL" clId="{0691B720-7FD2-4ED9-B8F5-A684BCF955AF}" dt="2023-01-09T17:21:27.242" v="1414" actId="27636"/>
       <pc:docMkLst>
         <pc:docMk/>
       </pc:docMkLst>
@@ -229,6 +229,36 @@
             <ac:inkMk id="10" creationId="{2FA24643-4576-DC69-A2CB-442A633FCE29}"/>
           </ac:inkMkLst>
         </pc:inkChg>
+      </pc:sldChg>
+      <pc:sldChg chg="modSp mod">
+        <pc:chgData name="Joseph Cauvy-Foster (Student)" userId="35a9b5c0-30ed-4069-9482-a130ce86deaa" providerId="ADAL" clId="{0691B720-7FD2-4ED9-B8F5-A684BCF955AF}" dt="2023-01-09T17:20:46.237" v="1411" actId="1076"/>
+        <pc:sldMkLst>
+          <pc:docMk/>
+          <pc:sldMk cId="1912026245" sldId="259"/>
+        </pc:sldMkLst>
+        <pc:picChg chg="mod">
+          <ac:chgData name="Joseph Cauvy-Foster (Student)" userId="35a9b5c0-30ed-4069-9482-a130ce86deaa" providerId="ADAL" clId="{0691B720-7FD2-4ED9-B8F5-A684BCF955AF}" dt="2023-01-09T17:20:46.237" v="1411" actId="1076"/>
+          <ac:picMkLst>
+            <pc:docMk/>
+            <pc:sldMk cId="1912026245" sldId="259"/>
+            <ac:picMk id="10" creationId="{3427C26B-64AB-AB38-8B52-40279C156B02}"/>
+          </ac:picMkLst>
+        </pc:picChg>
+      </pc:sldChg>
+      <pc:sldChg chg="modSp mod">
+        <pc:chgData name="Joseph Cauvy-Foster (Student)" userId="35a9b5c0-30ed-4069-9482-a130ce86deaa" providerId="ADAL" clId="{0691B720-7FD2-4ED9-B8F5-A684BCF955AF}" dt="2023-01-09T17:21:27.242" v="1414" actId="27636"/>
+        <pc:sldMkLst>
+          <pc:docMk/>
+          <pc:sldMk cId="909362049" sldId="268"/>
+        </pc:sldMkLst>
+        <pc:spChg chg="mod">
+          <ac:chgData name="Joseph Cauvy-Foster (Student)" userId="35a9b5c0-30ed-4069-9482-a130ce86deaa" providerId="ADAL" clId="{0691B720-7FD2-4ED9-B8F5-A684BCF955AF}" dt="2023-01-09T17:21:27.242" v="1414" actId="27636"/>
+          <ac:spMkLst>
+            <pc:docMk/>
+            <pc:sldMk cId="909362049" sldId="268"/>
+            <ac:spMk id="3" creationId="{E3E31670-7A90-47EF-7A51-7582BDCDBDAF}"/>
+          </ac:spMkLst>
+        </pc:spChg>
       </pc:sldChg>
       <pc:sldChg chg="modSp mod delDesignElem">
         <pc:chgData name="Joseph Cauvy-Foster (Student)" userId="35a9b5c0-30ed-4069-9482-a130ce86deaa" providerId="ADAL" clId="{0691B720-7FD2-4ED9-B8F5-A684BCF955AF}" dt="2023-01-09T14:15:46.657" v="364" actId="115"/>
@@ -8879,48 +8909,49 @@
         </p:spPr>
         <p:txBody>
           <a:bodyPr vert="horz" lIns="91440" tIns="45720" rIns="91440" bIns="45720" rtlCol="0" anchor="t">
-            <a:normAutofit fontScale="77500" lnSpcReduction="20000"/>
+            <a:normAutofit fontScale="70000" lnSpcReduction="20000"/>
           </a:bodyPr>
           <a:lstStyle/>
           <a:p>
             <a:r>
-              <a:rPr lang="en-US" dirty="0">
+              <a:rPr lang="en-GB" dirty="0">
                 <a:cs typeface="Calibri"/>
               </a:rPr>
-              <a:t>System calls are invoked using int $0x30 inside of user programs</a:t>
-            </a:r>
-          </a:p>
-          <a:p>
-            <a:r>
-              <a:rPr lang="en-US" dirty="0">
-                <a:cs typeface="Calibri"/>
-              </a:rPr>
-              <a:t>System calls are handled in </a:t>
-            </a:r>
-            <a:r>
-              <a:rPr lang="en-US" dirty="0" err="1">
+              <a:t>System calls are invoked using int $0x30 inside of user programs, System calls are also  handled in </a:t>
+            </a:r>
+            <a:r>
+              <a:rPr lang="en-GB" dirty="0" err="1">
                 <a:cs typeface="Calibri"/>
               </a:rPr>
               <a:t>syscall.c</a:t>
             </a:r>
             <a:r>
-              <a:rPr lang="en-US" dirty="0">
+              <a:rPr lang="en-GB" dirty="0">
                 <a:cs typeface="Calibri"/>
               </a:rPr>
               <a:t> within the </a:t>
             </a:r>
             <a:r>
-              <a:rPr lang="en-US" dirty="0" err="1">
+              <a:rPr lang="en-GB" dirty="0" err="1">
                 <a:cs typeface="Calibri"/>
               </a:rPr>
               <a:t>syscall</a:t>
             </a:r>
             <a:r>
-              <a:rPr lang="en-US" dirty="0">
+              <a:rPr lang="en-GB" dirty="0">
                 <a:cs typeface="Calibri"/>
               </a:rPr>
-              <a:t> handler</a:t>
-            </a:r>
+              <a:t> handler, the system call that is called depends on the number (from 0 -12) given to int $0x30 when it is used, each digit is assigned to its SYSCALL in Lib/</a:t>
+            </a:r>
+            <a:r>
+              <a:rPr lang="en-GB" dirty="0" err="1">
+                <a:cs typeface="Calibri"/>
+              </a:rPr>
+              <a:t>syscall-nr.h</a:t>
+            </a:r>
+            <a:endParaRPr lang="en-GB" dirty="0">
+              <a:cs typeface="Calibri"/>
+            </a:endParaRPr>
           </a:p>
           <a:p>
             <a:r>
